--- a/PowerPoints/14 - Arrays.pptx
+++ b/PowerPoints/14 - Arrays.pptx
@@ -4861,7 +4861,7 @@
         </p:nvGrpSpPr>
         <p:grpSpPr>
           <a:xfrm>
-            <a:off x="1524000" y="1962192"/>
+            <a:off x="1524000" y="1905000"/>
             <a:ext cx="5990491" cy="3513182"/>
             <a:chOff x="1459515" y="1962192"/>
             <a:chExt cx="5990491" cy="3513182"/>
@@ -7830,7 +7830,7 @@
         </p:nvSpPr>
         <p:spPr>
           <a:xfrm>
-            <a:off x="1690442" y="5200262"/>
+            <a:off x="1621513" y="5200262"/>
             <a:ext cx="5900974" cy="1015663"/>
           </a:xfrm>
           <a:prstGeom prst="rect">
@@ -11940,7 +11940,7 @@
                 <a:latin typeface="Consolas" pitchFamily="49" charset="0"/>
                 <a:cs typeface="Consolas" pitchFamily="49" charset="0"/>
               </a:rPr>
-              <a:t>variable  = ( </a:t>
+              <a:t>variable = ( </a:t>
             </a:r>
             <a:r>
               <a:rPr lang="en-US" sz="1800" dirty="0" err="1">

--- a/PowerPoints/14 - Arrays.pptx
+++ b/PowerPoints/14 - Arrays.pptx
@@ -1,6 +1,6 @@
 
 <file path=ppt/presentation.xml><?xml version="1.0" encoding="utf-8"?>
-<p:presentation xmlns:a="http://schemas.openxmlformats.org/drawingml/2006/main" xmlns:r="http://schemas.openxmlformats.org/officeDocument/2006/relationships" xmlns:p="http://schemas.openxmlformats.org/presentationml/2006/main" saveSubsetFonts="1">
+<p:presentation xmlns:a="http://schemas.openxmlformats.org/drawingml/2006/main" xmlns:r="http://schemas.openxmlformats.org/officeDocument/2006/relationships" xmlns:p="http://schemas.openxmlformats.org/presentationml/2006/main" saveSubsetFonts="1" autoCompressPictures="0">
   <p:sldMasterIdLst>
     <p:sldMasterId id="2147483651" r:id="rId1"/>
   </p:sldMasterIdLst>
@@ -11964,11 +11964,18 @@
               <a:t>paramId</a:t>
             </a:r>
             <a:r>
+              <a:rPr lang="en-US" sz="1800">
+                <a:latin typeface="Consolas" pitchFamily="49" charset="0"/>
+                <a:cs typeface="Consolas" pitchFamily="49" charset="0"/>
+              </a:rPr>
+              <a:t> ) </a:t>
+            </a:r>
+            <a:r>
               <a:rPr lang="en-US" sz="1800" dirty="0">
                 <a:latin typeface="Consolas" pitchFamily="49" charset="0"/>
                 <a:cs typeface="Consolas" pitchFamily="49" charset="0"/>
               </a:rPr>
-              <a:t>) { </a:t>
+              <a:t>{ </a:t>
             </a:r>
             <a:r>
               <a:rPr lang="en-US" sz="1800" dirty="0" err="1">

--- a/PowerPoints/14 - Arrays.pptx
+++ b/PowerPoints/14 - Arrays.pptx
@@ -4634,7 +4634,7 @@
                 <a:latin typeface="Consolas" pitchFamily="49" charset="0"/>
                 <a:cs typeface="Consolas" pitchFamily="49" charset="0"/>
               </a:rPr>
-              <a:t>()  : Type</a:t>
+              <a:t>() : Type</a:t>
             </a:r>
           </a:p>
           <a:p>
@@ -4653,42 +4653,25 @@
               <a:t>parseVariable</a:t>
             </a:r>
             <a:r>
+              <a:rPr lang="en-US" sz="2000">
+                <a:latin typeface="Consolas" pitchFamily="49" charset="0"/>
+                <a:cs typeface="Consolas" pitchFamily="49" charset="0"/>
+              </a:rPr>
+              <a:t>() : </a:t>
+            </a:r>
+            <a:r>
               <a:rPr lang="en-US" sz="2000" dirty="0">
                 <a:latin typeface="Consolas" pitchFamily="49" charset="0"/>
                 <a:cs typeface="Consolas" pitchFamily="49" charset="0"/>
               </a:rPr>
-              <a:t>()  : Variable?</a:t>
-            </a:r>
-          </a:p>
-          <a:p>
-            <a:r>
-              <a:rPr lang="fr-FR" sz="2000" dirty="0" err="1">
-                <a:latin typeface="Consolas" pitchFamily="49" charset="0"/>
-                <a:cs typeface="Consolas" pitchFamily="49" charset="0"/>
-              </a:rPr>
-              <a:t>private</a:t>
-            </a:r>
-            <a:r>
-              <a:rPr lang="fr-FR" sz="2000" dirty="0">
-                <a:latin typeface="Consolas" pitchFamily="49" charset="0"/>
-                <a:cs typeface="Consolas" pitchFamily="49" charset="0"/>
-              </a:rPr>
-              <a:t> fun </a:t>
-            </a:r>
-            <a:r>
-              <a:rPr lang="fr-FR" sz="2000" dirty="0" err="1">
-                <a:latin typeface="Consolas" pitchFamily="49" charset="0"/>
-                <a:cs typeface="Consolas" pitchFamily="49" charset="0"/>
-              </a:rPr>
-              <a:t>parseIndexExpr</a:t>
-            </a:r>
-            <a:r>
-              <a:rPr lang="fr-FR" sz="2000" dirty="0">
-                <a:latin typeface="Consolas" pitchFamily="49" charset="0"/>
-                <a:cs typeface="Consolas" pitchFamily="49" charset="0"/>
-              </a:rPr>
-              <a:t>() : Expression</a:t>
-            </a:r>
+              <a:t>Variable?</a:t>
+            </a:r>
+          </a:p>
+          <a:p>
+            <a:endParaRPr lang="fr-FR" sz="2000" dirty="0">
+              <a:latin typeface="Consolas" pitchFamily="49" charset="0"/>
+              <a:cs typeface="Consolas" pitchFamily="49" charset="0"/>
+            </a:endParaRPr>
           </a:p>
           <a:p>
             <a:endParaRPr lang="en-US" sz="2000" dirty="0">

--- a/PowerPoints/14 - Arrays.pptx
+++ b/PowerPoints/14 - Arrays.pptx
@@ -22,7 +22,7 @@
     <p:sldId id="258" r:id="rId10"/>
     <p:sldId id="259" r:id="rId11"/>
     <p:sldId id="269" r:id="rId12"/>
-    <p:sldId id="260" r:id="rId13"/>
+    <p:sldId id="278" r:id="rId13"/>
     <p:sldId id="277" r:id="rId14"/>
     <p:sldId id="262" r:id="rId15"/>
     <p:sldId id="263" r:id="rId16"/>
@@ -4653,21 +4653,12 @@
               <a:t>parseVariable</a:t>
             </a:r>
             <a:r>
-              <a:rPr lang="en-US" sz="2000">
-                <a:latin typeface="Consolas" pitchFamily="49" charset="0"/>
-                <a:cs typeface="Consolas" pitchFamily="49" charset="0"/>
-              </a:rPr>
-              <a:t>() : </a:t>
-            </a:r>
-            <a:r>
               <a:rPr lang="en-US" sz="2000" dirty="0">
                 <a:latin typeface="Consolas" pitchFamily="49" charset="0"/>
                 <a:cs typeface="Consolas" pitchFamily="49" charset="0"/>
               </a:rPr>
-              <a:t>Variable?</a:t>
-            </a:r>
-          </a:p>
-          <a:p>
+              <a:t>() : Variable?</a:t>
+            </a:r>
             <a:endParaRPr lang="fr-FR" sz="2000" dirty="0">
               <a:latin typeface="Consolas" pitchFamily="49" charset="0"/>
               <a:cs typeface="Consolas" pitchFamily="49" charset="0"/>
@@ -5862,18 +5853,25 @@
               </a:rPr>
               <a:t>size</a:t>
             </a:r>
+          </a:p>
+          <a:p>
+            <a:pPr lvl="2">
+              <a:buFontTx/>
+              <a:buChar char="–"/>
+            </a:pPr>
             <a:r>
               <a:rPr lang="en-US" dirty="0"/>
-              <a:t> – the size (number of bytes) of a variable with this type</a:t>
+              <a:t>the size (number of bytes) of a variable with this type;</a:t>
             </a:r>
           </a:p>
           <a:p>
             <a:pPr lvl="2">
-              <a:buNone/>
+              <a:buFontTx/>
+              <a:buChar char="–"/>
             </a:pPr>
             <a:r>
               <a:rPr lang="en-US" dirty="0"/>
-              <a:t>	        (computed as </a:t>
+              <a:t>computed as </a:t>
             </a:r>
             <a:r>
               <a:rPr lang="en-US" dirty="0" err="1">
@@ -5896,10 +5894,7 @@
               </a:rPr>
               <a:t>elementType.size</a:t>
             </a:r>
-            <a:r>
-              <a:rPr lang="en-US" dirty="0"/>
-              <a:t>)</a:t>
-            </a:r>
+            <a:endParaRPr lang="en-US" dirty="0"/>
           </a:p>
           <a:p>
             <a:endParaRPr lang="en-US" dirty="0"/>
@@ -11800,7 +11795,7 @@
                 <a:latin typeface="Consolas" pitchFamily="49" charset="0"/>
                 <a:cs typeface="Consolas" pitchFamily="49" charset="0"/>
               </a:rPr>
-              <a:t> "=" "array "</a:t>
+              <a:t> "=" "array"</a:t>
             </a:r>
           </a:p>
           <a:p>
@@ -11830,7 +11825,7 @@
                 <a:latin typeface="Consolas" pitchFamily="49" charset="0"/>
                 <a:cs typeface="Consolas" pitchFamily="49" charset="0"/>
               </a:rPr>
-              <a:t> "] " "of" </a:t>
+              <a:t> "]" "of" </a:t>
             </a:r>
             <a:r>
               <a:rPr lang="en-US" sz="1800" dirty="0" err="1">
@@ -11947,18 +11942,11 @@
               <a:t>paramId</a:t>
             </a:r>
             <a:r>
-              <a:rPr lang="en-US" sz="1800">
-                <a:latin typeface="Consolas" pitchFamily="49" charset="0"/>
-                <a:cs typeface="Consolas" pitchFamily="49" charset="0"/>
-              </a:rPr>
-              <a:t> ) </a:t>
-            </a:r>
-            <a:r>
               <a:rPr lang="en-US" sz="1800" dirty="0">
                 <a:latin typeface="Consolas" pitchFamily="49" charset="0"/>
                 <a:cs typeface="Consolas" pitchFamily="49" charset="0"/>
               </a:rPr>
-              <a:t>{ </a:t>
+              <a:t> ) { </a:t>
             </a:r>
             <a:r>
               <a:rPr lang="en-US" sz="1800" dirty="0" err="1">

--- a/PowerPoints/14 - Arrays.pptx
+++ b/PowerPoints/14 - Arrays.pptx
@@ -8230,7 +8230,21 @@
                 <a:latin typeface="Consolas" pitchFamily="49" charset="0"/>
                 <a:cs typeface="Consolas" pitchFamily="49" charset="0"/>
               </a:rPr>
-              <a:t>type T is array[10] of Integer;</a:t>
+              <a:t>type </a:t>
+            </a:r>
+            <a:r>
+              <a:rPr lang="en-US" sz="1800">
+                <a:latin typeface="Consolas" pitchFamily="49" charset="0"/>
+                <a:cs typeface="Consolas" pitchFamily="49" charset="0"/>
+              </a:rPr>
+              <a:t>T = </a:t>
+            </a:r>
+            <a:r>
+              <a:rPr lang="en-US" sz="1800" dirty="0">
+                <a:latin typeface="Consolas" pitchFamily="49" charset="0"/>
+                <a:cs typeface="Consolas" pitchFamily="49" charset="0"/>
+              </a:rPr>
+              <a:t>array[10] of Integer;</a:t>
             </a:r>
           </a:p>
           <a:p>
